--- a/ppt 16-9/0425.宣教的中国.pptx
+++ b/ppt 16-9/0425.宣教的中国.pptx
@@ -129,7 +129,7 @@
           <p:cNvPr id="2" name="标题 1">
             <a:extLst>
               <a:ext uri="{FF2B5EF4-FFF2-40B4-BE49-F238E27FC236}">
-                <a16:creationId xmlns:a16="http://schemas.microsoft.com/office/drawing/2014/main" id="{7829774E-6407-CFCA-5F64-A53C73096582}"/>
+                <a16:creationId xmlns:a16="http://schemas.microsoft.com/office/drawing/2014/main" id="{C61E4EFF-779D-6111-E835-ADFA0F0CA8D1}"/>
               </a:ext>
             </a:extLst>
           </p:cNvPr>
@@ -166,7 +166,7 @@
           <p:cNvPr id="3" name="副标题 2">
             <a:extLst>
               <a:ext uri="{FF2B5EF4-FFF2-40B4-BE49-F238E27FC236}">
-                <a16:creationId xmlns:a16="http://schemas.microsoft.com/office/drawing/2014/main" id="{7F756A10-8C87-6BF7-D5FD-D76CD7EE6E44}"/>
+                <a16:creationId xmlns:a16="http://schemas.microsoft.com/office/drawing/2014/main" id="{1FADCCBA-03E6-19EB-A680-69B6DF7C7C30}"/>
               </a:ext>
             </a:extLst>
           </p:cNvPr>
@@ -236,7 +236,7 @@
           <p:cNvPr id="4" name="日期占位符 3">
             <a:extLst>
               <a:ext uri="{FF2B5EF4-FFF2-40B4-BE49-F238E27FC236}">
-                <a16:creationId xmlns:a16="http://schemas.microsoft.com/office/drawing/2014/main" id="{BCA876A2-7B8B-F53B-1A73-46C72B5C8368}"/>
+                <a16:creationId xmlns:a16="http://schemas.microsoft.com/office/drawing/2014/main" id="{DA745BBA-CBBC-F972-AE05-FB5D01DDFF23}"/>
               </a:ext>
             </a:extLst>
           </p:cNvPr>
@@ -252,7 +252,7 @@
           <a:bodyPr/>
           <a:lstStyle/>
           <a:p>
-            <a:fld id="{DE31E791-D4D6-4EC1-ACF4-DC4154CC5D02}" type="datetimeFigureOut">
+            <a:fld id="{45B9F867-E844-4D0F-A873-EB9297B32ED1}" type="datetimeFigureOut">
               <a:rPr lang="zh-CN" altLang="en-US" smtClean="0"/>
               <a:t>2024/3/10</a:t>
             </a:fld>
@@ -265,7 +265,7 @@
           <p:cNvPr id="5" name="页脚占位符 4">
             <a:extLst>
               <a:ext uri="{FF2B5EF4-FFF2-40B4-BE49-F238E27FC236}">
-                <a16:creationId xmlns:a16="http://schemas.microsoft.com/office/drawing/2014/main" id="{9A05332C-4197-52D3-BAC5-F5F7726D8949}"/>
+                <a16:creationId xmlns:a16="http://schemas.microsoft.com/office/drawing/2014/main" id="{C065A4DD-C289-082C-E89A-0FC47CF3AC38}"/>
               </a:ext>
             </a:extLst>
           </p:cNvPr>
@@ -290,7 +290,7 @@
           <p:cNvPr id="6" name="灯片编号占位符 5">
             <a:extLst>
               <a:ext uri="{FF2B5EF4-FFF2-40B4-BE49-F238E27FC236}">
-                <a16:creationId xmlns:a16="http://schemas.microsoft.com/office/drawing/2014/main" id="{0D20CDAB-EE01-9D3D-AAC1-7C5966E82DA5}"/>
+                <a16:creationId xmlns:a16="http://schemas.microsoft.com/office/drawing/2014/main" id="{B1FC2D74-A71C-2FC5-73A7-3F6EFF9D4210}"/>
               </a:ext>
             </a:extLst>
           </p:cNvPr>
@@ -306,7 +306,7 @@
           <a:bodyPr/>
           <a:lstStyle/>
           <a:p>
-            <a:fld id="{7E4698AD-9CAE-467A-9479-99817AEBB0BA}" type="slidenum">
+            <a:fld id="{5E789EC6-4E2A-4850-A6D3-3DA1DF7D0BB8}" type="slidenum">
               <a:rPr lang="zh-CN" altLang="en-US" smtClean="0"/>
               <a:t>‹#›</a:t>
             </a:fld>
@@ -317,7 +317,7 @@
     </p:spTree>
     <p:extLst>
       <p:ext uri="{BB962C8B-B14F-4D97-AF65-F5344CB8AC3E}">
-        <p14:creationId xmlns:p14="http://schemas.microsoft.com/office/powerpoint/2010/main" val="2167169696"/>
+        <p14:creationId xmlns:p14="http://schemas.microsoft.com/office/powerpoint/2010/main" val="2972883955"/>
       </p:ext>
     </p:extLst>
   </p:cSld>
@@ -349,7 +349,7 @@
           <p:cNvPr id="2" name="标题 1">
             <a:extLst>
               <a:ext uri="{FF2B5EF4-FFF2-40B4-BE49-F238E27FC236}">
-                <a16:creationId xmlns:a16="http://schemas.microsoft.com/office/drawing/2014/main" id="{2F3F7DB0-FEE1-3AAE-BBD4-DA5A1BE3D97E}"/>
+                <a16:creationId xmlns:a16="http://schemas.microsoft.com/office/drawing/2014/main" id="{764D6908-2EEC-6728-5619-5E4CFD8F0D95}"/>
               </a:ext>
             </a:extLst>
           </p:cNvPr>
@@ -377,7 +377,7 @@
           <p:cNvPr id="3" name="竖排文字占位符 2">
             <a:extLst>
               <a:ext uri="{FF2B5EF4-FFF2-40B4-BE49-F238E27FC236}">
-                <a16:creationId xmlns:a16="http://schemas.microsoft.com/office/drawing/2014/main" id="{FE76E610-43D5-6AFB-C117-F6050943E24F}"/>
+                <a16:creationId xmlns:a16="http://schemas.microsoft.com/office/drawing/2014/main" id="{B9EEB759-9D66-AE49-C126-8FDC850C4984}"/>
               </a:ext>
             </a:extLst>
           </p:cNvPr>
@@ -434,7 +434,7 @@
           <p:cNvPr id="4" name="日期占位符 3">
             <a:extLst>
               <a:ext uri="{FF2B5EF4-FFF2-40B4-BE49-F238E27FC236}">
-                <a16:creationId xmlns:a16="http://schemas.microsoft.com/office/drawing/2014/main" id="{ACB35314-46E3-FB75-E191-1ADAF9B64CEB}"/>
+                <a16:creationId xmlns:a16="http://schemas.microsoft.com/office/drawing/2014/main" id="{7B60C749-45C7-4EDC-2B5B-C5A724E26FFA}"/>
               </a:ext>
             </a:extLst>
           </p:cNvPr>
@@ -450,7 +450,7 @@
           <a:bodyPr/>
           <a:lstStyle/>
           <a:p>
-            <a:fld id="{DE31E791-D4D6-4EC1-ACF4-DC4154CC5D02}" type="datetimeFigureOut">
+            <a:fld id="{45B9F867-E844-4D0F-A873-EB9297B32ED1}" type="datetimeFigureOut">
               <a:rPr lang="zh-CN" altLang="en-US" smtClean="0"/>
               <a:t>2024/3/10</a:t>
             </a:fld>
@@ -463,7 +463,7 @@
           <p:cNvPr id="5" name="页脚占位符 4">
             <a:extLst>
               <a:ext uri="{FF2B5EF4-FFF2-40B4-BE49-F238E27FC236}">
-                <a16:creationId xmlns:a16="http://schemas.microsoft.com/office/drawing/2014/main" id="{B58A4EE7-78D0-A43B-6FBF-2458BAE912F0}"/>
+                <a16:creationId xmlns:a16="http://schemas.microsoft.com/office/drawing/2014/main" id="{1330528D-99D2-C21F-2850-A149B426695B}"/>
               </a:ext>
             </a:extLst>
           </p:cNvPr>
@@ -488,7 +488,7 @@
           <p:cNvPr id="6" name="灯片编号占位符 5">
             <a:extLst>
               <a:ext uri="{FF2B5EF4-FFF2-40B4-BE49-F238E27FC236}">
-                <a16:creationId xmlns:a16="http://schemas.microsoft.com/office/drawing/2014/main" id="{F5656115-9EF1-8CDB-3ECE-1D26BB3A39B7}"/>
+                <a16:creationId xmlns:a16="http://schemas.microsoft.com/office/drawing/2014/main" id="{EA53DF33-BF6B-4230-1A64-BE9A3C9F63B6}"/>
               </a:ext>
             </a:extLst>
           </p:cNvPr>
@@ -504,7 +504,7 @@
           <a:bodyPr/>
           <a:lstStyle/>
           <a:p>
-            <a:fld id="{7E4698AD-9CAE-467A-9479-99817AEBB0BA}" type="slidenum">
+            <a:fld id="{5E789EC6-4E2A-4850-A6D3-3DA1DF7D0BB8}" type="slidenum">
               <a:rPr lang="zh-CN" altLang="en-US" smtClean="0"/>
               <a:t>‹#›</a:t>
             </a:fld>
@@ -515,7 +515,7 @@
     </p:spTree>
     <p:extLst>
       <p:ext uri="{BB962C8B-B14F-4D97-AF65-F5344CB8AC3E}">
-        <p14:creationId xmlns:p14="http://schemas.microsoft.com/office/powerpoint/2010/main" val="1636704450"/>
+        <p14:creationId xmlns:p14="http://schemas.microsoft.com/office/powerpoint/2010/main" val="4190027034"/>
       </p:ext>
     </p:extLst>
   </p:cSld>
@@ -547,7 +547,7 @@
           <p:cNvPr id="2" name="竖排标题 1">
             <a:extLst>
               <a:ext uri="{FF2B5EF4-FFF2-40B4-BE49-F238E27FC236}">
-                <a16:creationId xmlns:a16="http://schemas.microsoft.com/office/drawing/2014/main" id="{850E7CF2-BC4A-EE3F-F2FF-AE1A24DD62D3}"/>
+                <a16:creationId xmlns:a16="http://schemas.microsoft.com/office/drawing/2014/main" id="{2B5C848D-A2A6-E50C-D4A4-4C08F7ECB2D3}"/>
               </a:ext>
             </a:extLst>
           </p:cNvPr>
@@ -580,7 +580,7 @@
           <p:cNvPr id="3" name="竖排文字占位符 2">
             <a:extLst>
               <a:ext uri="{FF2B5EF4-FFF2-40B4-BE49-F238E27FC236}">
-                <a16:creationId xmlns:a16="http://schemas.microsoft.com/office/drawing/2014/main" id="{46F5CAEC-823C-B386-E303-9613C683B298}"/>
+                <a16:creationId xmlns:a16="http://schemas.microsoft.com/office/drawing/2014/main" id="{DE98CFBB-B20A-8736-6FFF-458CE07F13B5}"/>
               </a:ext>
             </a:extLst>
           </p:cNvPr>
@@ -642,7 +642,7 @@
           <p:cNvPr id="4" name="日期占位符 3">
             <a:extLst>
               <a:ext uri="{FF2B5EF4-FFF2-40B4-BE49-F238E27FC236}">
-                <a16:creationId xmlns:a16="http://schemas.microsoft.com/office/drawing/2014/main" id="{22B6374A-92BB-E2B9-110E-2355D2C4E4DF}"/>
+                <a16:creationId xmlns:a16="http://schemas.microsoft.com/office/drawing/2014/main" id="{CF3BEA50-580B-CAF7-F87B-06A616E790DF}"/>
               </a:ext>
             </a:extLst>
           </p:cNvPr>
@@ -658,7 +658,7 @@
           <a:bodyPr/>
           <a:lstStyle/>
           <a:p>
-            <a:fld id="{DE31E791-D4D6-4EC1-ACF4-DC4154CC5D02}" type="datetimeFigureOut">
+            <a:fld id="{45B9F867-E844-4D0F-A873-EB9297B32ED1}" type="datetimeFigureOut">
               <a:rPr lang="zh-CN" altLang="en-US" smtClean="0"/>
               <a:t>2024/3/10</a:t>
             </a:fld>
@@ -671,7 +671,7 @@
           <p:cNvPr id="5" name="页脚占位符 4">
             <a:extLst>
               <a:ext uri="{FF2B5EF4-FFF2-40B4-BE49-F238E27FC236}">
-                <a16:creationId xmlns:a16="http://schemas.microsoft.com/office/drawing/2014/main" id="{180CDD49-31CA-6D3F-B0AC-5EAFE73E90D5}"/>
+                <a16:creationId xmlns:a16="http://schemas.microsoft.com/office/drawing/2014/main" id="{16FAE564-5D8E-E3BB-6043-FD6B02865BE6}"/>
               </a:ext>
             </a:extLst>
           </p:cNvPr>
@@ -696,7 +696,7 @@
           <p:cNvPr id="6" name="灯片编号占位符 5">
             <a:extLst>
               <a:ext uri="{FF2B5EF4-FFF2-40B4-BE49-F238E27FC236}">
-                <a16:creationId xmlns:a16="http://schemas.microsoft.com/office/drawing/2014/main" id="{8A330688-1514-7C47-AE6F-46FD3B02E651}"/>
+                <a16:creationId xmlns:a16="http://schemas.microsoft.com/office/drawing/2014/main" id="{3A4339F6-AACB-818F-F48C-61DAA8FCDD2F}"/>
               </a:ext>
             </a:extLst>
           </p:cNvPr>
@@ -712,7 +712,7 @@
           <a:bodyPr/>
           <a:lstStyle/>
           <a:p>
-            <a:fld id="{7E4698AD-9CAE-467A-9479-99817AEBB0BA}" type="slidenum">
+            <a:fld id="{5E789EC6-4E2A-4850-A6D3-3DA1DF7D0BB8}" type="slidenum">
               <a:rPr lang="zh-CN" altLang="en-US" smtClean="0"/>
               <a:t>‹#›</a:t>
             </a:fld>
@@ -723,7 +723,7 @@
     </p:spTree>
     <p:extLst>
       <p:ext uri="{BB962C8B-B14F-4D97-AF65-F5344CB8AC3E}">
-        <p14:creationId xmlns:p14="http://schemas.microsoft.com/office/powerpoint/2010/main" val="3700084107"/>
+        <p14:creationId xmlns:p14="http://schemas.microsoft.com/office/powerpoint/2010/main" val="693435303"/>
       </p:ext>
     </p:extLst>
   </p:cSld>
@@ -755,7 +755,7 @@
           <p:cNvPr id="2" name="标题 1">
             <a:extLst>
               <a:ext uri="{FF2B5EF4-FFF2-40B4-BE49-F238E27FC236}">
-                <a16:creationId xmlns:a16="http://schemas.microsoft.com/office/drawing/2014/main" id="{59B26CC7-BB92-A69F-C6D8-D52666176AF1}"/>
+                <a16:creationId xmlns:a16="http://schemas.microsoft.com/office/drawing/2014/main" id="{EC5C5C51-E366-FA12-9E71-152513D211E6}"/>
               </a:ext>
             </a:extLst>
           </p:cNvPr>
@@ -783,7 +783,7 @@
           <p:cNvPr id="3" name="内容占位符 2">
             <a:extLst>
               <a:ext uri="{FF2B5EF4-FFF2-40B4-BE49-F238E27FC236}">
-                <a16:creationId xmlns:a16="http://schemas.microsoft.com/office/drawing/2014/main" id="{688EF538-C4FB-E6E7-31B7-CE49C67D93BD}"/>
+                <a16:creationId xmlns:a16="http://schemas.microsoft.com/office/drawing/2014/main" id="{93C98B9B-A744-955E-4F79-9146A147EFDD}"/>
               </a:ext>
             </a:extLst>
           </p:cNvPr>
@@ -840,7 +840,7 @@
           <p:cNvPr id="4" name="日期占位符 3">
             <a:extLst>
               <a:ext uri="{FF2B5EF4-FFF2-40B4-BE49-F238E27FC236}">
-                <a16:creationId xmlns:a16="http://schemas.microsoft.com/office/drawing/2014/main" id="{721FD1BC-5BA5-D870-8C1D-994B45CD530E}"/>
+                <a16:creationId xmlns:a16="http://schemas.microsoft.com/office/drawing/2014/main" id="{B0313EF4-C848-BA32-69BA-B3F48DC77848}"/>
               </a:ext>
             </a:extLst>
           </p:cNvPr>
@@ -856,7 +856,7 @@
           <a:bodyPr/>
           <a:lstStyle/>
           <a:p>
-            <a:fld id="{DE31E791-D4D6-4EC1-ACF4-DC4154CC5D02}" type="datetimeFigureOut">
+            <a:fld id="{45B9F867-E844-4D0F-A873-EB9297B32ED1}" type="datetimeFigureOut">
               <a:rPr lang="zh-CN" altLang="en-US" smtClean="0"/>
               <a:t>2024/3/10</a:t>
             </a:fld>
@@ -869,7 +869,7 @@
           <p:cNvPr id="5" name="页脚占位符 4">
             <a:extLst>
               <a:ext uri="{FF2B5EF4-FFF2-40B4-BE49-F238E27FC236}">
-                <a16:creationId xmlns:a16="http://schemas.microsoft.com/office/drawing/2014/main" id="{E6A3D0D4-A454-6CAF-5DD3-3F87D2811522}"/>
+                <a16:creationId xmlns:a16="http://schemas.microsoft.com/office/drawing/2014/main" id="{48620534-8038-F929-895E-CDD465837316}"/>
               </a:ext>
             </a:extLst>
           </p:cNvPr>
@@ -894,7 +894,7 @@
           <p:cNvPr id="6" name="灯片编号占位符 5">
             <a:extLst>
               <a:ext uri="{FF2B5EF4-FFF2-40B4-BE49-F238E27FC236}">
-                <a16:creationId xmlns:a16="http://schemas.microsoft.com/office/drawing/2014/main" id="{D5135D5D-48DE-0B4D-B7B4-546B98CB7307}"/>
+                <a16:creationId xmlns:a16="http://schemas.microsoft.com/office/drawing/2014/main" id="{40FEC7DF-8B5E-9907-F9BD-1805EDFDEA2D}"/>
               </a:ext>
             </a:extLst>
           </p:cNvPr>
@@ -910,7 +910,7 @@
           <a:bodyPr/>
           <a:lstStyle/>
           <a:p>
-            <a:fld id="{7E4698AD-9CAE-467A-9479-99817AEBB0BA}" type="slidenum">
+            <a:fld id="{5E789EC6-4E2A-4850-A6D3-3DA1DF7D0BB8}" type="slidenum">
               <a:rPr lang="zh-CN" altLang="en-US" smtClean="0"/>
               <a:t>‹#›</a:t>
             </a:fld>
@@ -921,7 +921,7 @@
     </p:spTree>
     <p:extLst>
       <p:ext uri="{BB962C8B-B14F-4D97-AF65-F5344CB8AC3E}">
-        <p14:creationId xmlns:p14="http://schemas.microsoft.com/office/powerpoint/2010/main" val="2743002681"/>
+        <p14:creationId xmlns:p14="http://schemas.microsoft.com/office/powerpoint/2010/main" val="2262253856"/>
       </p:ext>
     </p:extLst>
   </p:cSld>
@@ -953,7 +953,7 @@
           <p:cNvPr id="2" name="标题 1">
             <a:extLst>
               <a:ext uri="{FF2B5EF4-FFF2-40B4-BE49-F238E27FC236}">
-                <a16:creationId xmlns:a16="http://schemas.microsoft.com/office/drawing/2014/main" id="{AAEE182A-AAEB-9BB9-6072-F070EC24C8E3}"/>
+                <a16:creationId xmlns:a16="http://schemas.microsoft.com/office/drawing/2014/main" id="{844DBAF5-DD45-9CD7-7EFC-AF0B04F0F479}"/>
               </a:ext>
             </a:extLst>
           </p:cNvPr>
@@ -990,7 +990,7 @@
           <p:cNvPr id="3" name="文本占位符 2">
             <a:extLst>
               <a:ext uri="{FF2B5EF4-FFF2-40B4-BE49-F238E27FC236}">
-                <a16:creationId xmlns:a16="http://schemas.microsoft.com/office/drawing/2014/main" id="{FC9CE07A-AE82-13DB-894C-5A97BFC3EAA4}"/>
+                <a16:creationId xmlns:a16="http://schemas.microsoft.com/office/drawing/2014/main" id="{5CBE7517-2ED9-E456-DFE1-2EA102AAA64A}"/>
               </a:ext>
             </a:extLst>
           </p:cNvPr>
@@ -1115,7 +1115,7 @@
           <p:cNvPr id="4" name="日期占位符 3">
             <a:extLst>
               <a:ext uri="{FF2B5EF4-FFF2-40B4-BE49-F238E27FC236}">
-                <a16:creationId xmlns:a16="http://schemas.microsoft.com/office/drawing/2014/main" id="{936677FA-16B9-9F6A-1C40-8719BF891DF2}"/>
+                <a16:creationId xmlns:a16="http://schemas.microsoft.com/office/drawing/2014/main" id="{847B9CE2-AF45-3AB7-B220-7F6E8C81DA1B}"/>
               </a:ext>
             </a:extLst>
           </p:cNvPr>
@@ -1131,7 +1131,7 @@
           <a:bodyPr/>
           <a:lstStyle/>
           <a:p>
-            <a:fld id="{DE31E791-D4D6-4EC1-ACF4-DC4154CC5D02}" type="datetimeFigureOut">
+            <a:fld id="{45B9F867-E844-4D0F-A873-EB9297B32ED1}" type="datetimeFigureOut">
               <a:rPr lang="zh-CN" altLang="en-US" smtClean="0"/>
               <a:t>2024/3/10</a:t>
             </a:fld>
@@ -1144,7 +1144,7 @@
           <p:cNvPr id="5" name="页脚占位符 4">
             <a:extLst>
               <a:ext uri="{FF2B5EF4-FFF2-40B4-BE49-F238E27FC236}">
-                <a16:creationId xmlns:a16="http://schemas.microsoft.com/office/drawing/2014/main" id="{ADA276A1-AC70-C736-DBD7-7C41667C8C6E}"/>
+                <a16:creationId xmlns:a16="http://schemas.microsoft.com/office/drawing/2014/main" id="{41FE57CE-0A4D-CB25-4A93-881C68D7A54C}"/>
               </a:ext>
             </a:extLst>
           </p:cNvPr>
@@ -1169,7 +1169,7 @@
           <p:cNvPr id="6" name="灯片编号占位符 5">
             <a:extLst>
               <a:ext uri="{FF2B5EF4-FFF2-40B4-BE49-F238E27FC236}">
-                <a16:creationId xmlns:a16="http://schemas.microsoft.com/office/drawing/2014/main" id="{00647779-86B6-9EDA-05EC-11BD07253EE6}"/>
+                <a16:creationId xmlns:a16="http://schemas.microsoft.com/office/drawing/2014/main" id="{B28E43EE-4979-41C9-3C72-FAB176294F76}"/>
               </a:ext>
             </a:extLst>
           </p:cNvPr>
@@ -1185,7 +1185,7 @@
           <a:bodyPr/>
           <a:lstStyle/>
           <a:p>
-            <a:fld id="{7E4698AD-9CAE-467A-9479-99817AEBB0BA}" type="slidenum">
+            <a:fld id="{5E789EC6-4E2A-4850-A6D3-3DA1DF7D0BB8}" type="slidenum">
               <a:rPr lang="zh-CN" altLang="en-US" smtClean="0"/>
               <a:t>‹#›</a:t>
             </a:fld>
@@ -1196,7 +1196,7 @@
     </p:spTree>
     <p:extLst>
       <p:ext uri="{BB962C8B-B14F-4D97-AF65-F5344CB8AC3E}">
-        <p14:creationId xmlns:p14="http://schemas.microsoft.com/office/powerpoint/2010/main" val="1064519065"/>
+        <p14:creationId xmlns:p14="http://schemas.microsoft.com/office/powerpoint/2010/main" val="1630288874"/>
       </p:ext>
     </p:extLst>
   </p:cSld>
@@ -1228,7 +1228,7 @@
           <p:cNvPr id="2" name="标题 1">
             <a:extLst>
               <a:ext uri="{FF2B5EF4-FFF2-40B4-BE49-F238E27FC236}">
-                <a16:creationId xmlns:a16="http://schemas.microsoft.com/office/drawing/2014/main" id="{3B09C18E-50FD-68E2-65D7-029C4B45E973}"/>
+                <a16:creationId xmlns:a16="http://schemas.microsoft.com/office/drawing/2014/main" id="{A6172876-71FF-4359-F3A4-AD48C6F1F528}"/>
               </a:ext>
             </a:extLst>
           </p:cNvPr>
@@ -1256,7 +1256,7 @@
           <p:cNvPr id="3" name="内容占位符 2">
             <a:extLst>
               <a:ext uri="{FF2B5EF4-FFF2-40B4-BE49-F238E27FC236}">
-                <a16:creationId xmlns:a16="http://schemas.microsoft.com/office/drawing/2014/main" id="{13FC4D8B-9CF2-C69A-6407-3F728ABC153A}"/>
+                <a16:creationId xmlns:a16="http://schemas.microsoft.com/office/drawing/2014/main" id="{217123A2-EDA7-98B9-5519-F5DCAA6E3F0E}"/>
               </a:ext>
             </a:extLst>
           </p:cNvPr>
@@ -1318,7 +1318,7 @@
           <p:cNvPr id="4" name="内容占位符 3">
             <a:extLst>
               <a:ext uri="{FF2B5EF4-FFF2-40B4-BE49-F238E27FC236}">
-                <a16:creationId xmlns:a16="http://schemas.microsoft.com/office/drawing/2014/main" id="{7BB76806-FF8C-CE12-5ED5-01602A989FFB}"/>
+                <a16:creationId xmlns:a16="http://schemas.microsoft.com/office/drawing/2014/main" id="{B0B0C4B8-AF98-354E-749E-EBF21C488B00}"/>
               </a:ext>
             </a:extLst>
           </p:cNvPr>
@@ -1380,7 +1380,7 @@
           <p:cNvPr id="5" name="日期占位符 4">
             <a:extLst>
               <a:ext uri="{FF2B5EF4-FFF2-40B4-BE49-F238E27FC236}">
-                <a16:creationId xmlns:a16="http://schemas.microsoft.com/office/drawing/2014/main" id="{3965FEA5-C736-F87B-806B-77B02E042F43}"/>
+                <a16:creationId xmlns:a16="http://schemas.microsoft.com/office/drawing/2014/main" id="{51B0DE2C-3B3D-50F2-C6ED-1C1FC8D951F4}"/>
               </a:ext>
             </a:extLst>
           </p:cNvPr>
@@ -1396,7 +1396,7 @@
           <a:bodyPr/>
           <a:lstStyle/>
           <a:p>
-            <a:fld id="{DE31E791-D4D6-4EC1-ACF4-DC4154CC5D02}" type="datetimeFigureOut">
+            <a:fld id="{45B9F867-E844-4D0F-A873-EB9297B32ED1}" type="datetimeFigureOut">
               <a:rPr lang="zh-CN" altLang="en-US" smtClean="0"/>
               <a:t>2024/3/10</a:t>
             </a:fld>
@@ -1409,7 +1409,7 @@
           <p:cNvPr id="6" name="页脚占位符 5">
             <a:extLst>
               <a:ext uri="{FF2B5EF4-FFF2-40B4-BE49-F238E27FC236}">
-                <a16:creationId xmlns:a16="http://schemas.microsoft.com/office/drawing/2014/main" id="{B74220A3-A4F1-A6B6-8281-EB92C05A0702}"/>
+                <a16:creationId xmlns:a16="http://schemas.microsoft.com/office/drawing/2014/main" id="{4ABB3FB9-0205-A4DB-8DDF-8FEFA9D18A2B}"/>
               </a:ext>
             </a:extLst>
           </p:cNvPr>
@@ -1434,7 +1434,7 @@
           <p:cNvPr id="7" name="灯片编号占位符 6">
             <a:extLst>
               <a:ext uri="{FF2B5EF4-FFF2-40B4-BE49-F238E27FC236}">
-                <a16:creationId xmlns:a16="http://schemas.microsoft.com/office/drawing/2014/main" id="{9FAF967C-6720-7710-FDB3-9F587FD5EB4F}"/>
+                <a16:creationId xmlns:a16="http://schemas.microsoft.com/office/drawing/2014/main" id="{D2D2E463-6242-C044-0E06-0C06761D9ED9}"/>
               </a:ext>
             </a:extLst>
           </p:cNvPr>
@@ -1450,7 +1450,7 @@
           <a:bodyPr/>
           <a:lstStyle/>
           <a:p>
-            <a:fld id="{7E4698AD-9CAE-467A-9479-99817AEBB0BA}" type="slidenum">
+            <a:fld id="{5E789EC6-4E2A-4850-A6D3-3DA1DF7D0BB8}" type="slidenum">
               <a:rPr lang="zh-CN" altLang="en-US" smtClean="0"/>
               <a:t>‹#›</a:t>
             </a:fld>
@@ -1461,7 +1461,7 @@
     </p:spTree>
     <p:extLst>
       <p:ext uri="{BB962C8B-B14F-4D97-AF65-F5344CB8AC3E}">
-        <p14:creationId xmlns:p14="http://schemas.microsoft.com/office/powerpoint/2010/main" val="3264321088"/>
+        <p14:creationId xmlns:p14="http://schemas.microsoft.com/office/powerpoint/2010/main" val="2290248843"/>
       </p:ext>
     </p:extLst>
   </p:cSld>
@@ -1493,7 +1493,7 @@
           <p:cNvPr id="2" name="标题 1">
             <a:extLst>
               <a:ext uri="{FF2B5EF4-FFF2-40B4-BE49-F238E27FC236}">
-                <a16:creationId xmlns:a16="http://schemas.microsoft.com/office/drawing/2014/main" id="{8C70F00B-604D-3D31-56E4-7B5ACF62452D}"/>
+                <a16:creationId xmlns:a16="http://schemas.microsoft.com/office/drawing/2014/main" id="{672A1F72-4C0A-2EB3-8487-4DFB1A43EFE1}"/>
               </a:ext>
             </a:extLst>
           </p:cNvPr>
@@ -1526,7 +1526,7 @@
           <p:cNvPr id="3" name="文本占位符 2">
             <a:extLst>
               <a:ext uri="{FF2B5EF4-FFF2-40B4-BE49-F238E27FC236}">
-                <a16:creationId xmlns:a16="http://schemas.microsoft.com/office/drawing/2014/main" id="{090AFD6F-0C9B-8FE7-6C5C-53AA614933C8}"/>
+                <a16:creationId xmlns:a16="http://schemas.microsoft.com/office/drawing/2014/main" id="{203863B3-67AD-1D9C-9AE0-04659E24251D}"/>
               </a:ext>
             </a:extLst>
           </p:cNvPr>
@@ -1597,7 +1597,7 @@
           <p:cNvPr id="4" name="内容占位符 3">
             <a:extLst>
               <a:ext uri="{FF2B5EF4-FFF2-40B4-BE49-F238E27FC236}">
-                <a16:creationId xmlns:a16="http://schemas.microsoft.com/office/drawing/2014/main" id="{4D1613EC-338D-0D30-7407-4F7398EF5393}"/>
+                <a16:creationId xmlns:a16="http://schemas.microsoft.com/office/drawing/2014/main" id="{DA420504-86B1-7137-8905-E5EA00BD60C9}"/>
               </a:ext>
             </a:extLst>
           </p:cNvPr>
@@ -1659,7 +1659,7 @@
           <p:cNvPr id="5" name="文本占位符 4">
             <a:extLst>
               <a:ext uri="{FF2B5EF4-FFF2-40B4-BE49-F238E27FC236}">
-                <a16:creationId xmlns:a16="http://schemas.microsoft.com/office/drawing/2014/main" id="{71EA2FC3-E7DE-15CA-B4F2-65EC6296D843}"/>
+                <a16:creationId xmlns:a16="http://schemas.microsoft.com/office/drawing/2014/main" id="{DA07447A-6FD2-586F-96D4-CB6595F2E2E7}"/>
               </a:ext>
             </a:extLst>
           </p:cNvPr>
@@ -1730,7 +1730,7 @@
           <p:cNvPr id="6" name="内容占位符 5">
             <a:extLst>
               <a:ext uri="{FF2B5EF4-FFF2-40B4-BE49-F238E27FC236}">
-                <a16:creationId xmlns:a16="http://schemas.microsoft.com/office/drawing/2014/main" id="{DF4A1212-09D8-89D5-7415-F2DC65B0E69C}"/>
+                <a16:creationId xmlns:a16="http://schemas.microsoft.com/office/drawing/2014/main" id="{06CFE75E-3324-F825-BC4E-1A79D1ABA1C5}"/>
               </a:ext>
             </a:extLst>
           </p:cNvPr>
@@ -1792,7 +1792,7 @@
           <p:cNvPr id="7" name="日期占位符 6">
             <a:extLst>
               <a:ext uri="{FF2B5EF4-FFF2-40B4-BE49-F238E27FC236}">
-                <a16:creationId xmlns:a16="http://schemas.microsoft.com/office/drawing/2014/main" id="{C8512FEC-A60E-A0D1-B9B2-75EA2F868EFA}"/>
+                <a16:creationId xmlns:a16="http://schemas.microsoft.com/office/drawing/2014/main" id="{91740D55-8F47-D24C-FCBF-8907F4102D7D}"/>
               </a:ext>
             </a:extLst>
           </p:cNvPr>
@@ -1808,7 +1808,7 @@
           <a:bodyPr/>
           <a:lstStyle/>
           <a:p>
-            <a:fld id="{DE31E791-D4D6-4EC1-ACF4-DC4154CC5D02}" type="datetimeFigureOut">
+            <a:fld id="{45B9F867-E844-4D0F-A873-EB9297B32ED1}" type="datetimeFigureOut">
               <a:rPr lang="zh-CN" altLang="en-US" smtClean="0"/>
               <a:t>2024/3/10</a:t>
             </a:fld>
@@ -1821,7 +1821,7 @@
           <p:cNvPr id="8" name="页脚占位符 7">
             <a:extLst>
               <a:ext uri="{FF2B5EF4-FFF2-40B4-BE49-F238E27FC236}">
-                <a16:creationId xmlns:a16="http://schemas.microsoft.com/office/drawing/2014/main" id="{33AE99AA-69B6-A295-5020-952D796B7FE3}"/>
+                <a16:creationId xmlns:a16="http://schemas.microsoft.com/office/drawing/2014/main" id="{78FF0A33-42F2-4ED1-EED6-10D6BB09F579}"/>
               </a:ext>
             </a:extLst>
           </p:cNvPr>
@@ -1846,7 +1846,7 @@
           <p:cNvPr id="9" name="灯片编号占位符 8">
             <a:extLst>
               <a:ext uri="{FF2B5EF4-FFF2-40B4-BE49-F238E27FC236}">
-                <a16:creationId xmlns:a16="http://schemas.microsoft.com/office/drawing/2014/main" id="{7B9E1260-8F01-6019-EFC8-93ADD9AD21D9}"/>
+                <a16:creationId xmlns:a16="http://schemas.microsoft.com/office/drawing/2014/main" id="{1C8CC07D-F951-85FE-7F3D-1577D152A551}"/>
               </a:ext>
             </a:extLst>
           </p:cNvPr>
@@ -1862,7 +1862,7 @@
           <a:bodyPr/>
           <a:lstStyle/>
           <a:p>
-            <a:fld id="{7E4698AD-9CAE-467A-9479-99817AEBB0BA}" type="slidenum">
+            <a:fld id="{5E789EC6-4E2A-4850-A6D3-3DA1DF7D0BB8}" type="slidenum">
               <a:rPr lang="zh-CN" altLang="en-US" smtClean="0"/>
               <a:t>‹#›</a:t>
             </a:fld>
@@ -1873,7 +1873,7 @@
     </p:spTree>
     <p:extLst>
       <p:ext uri="{BB962C8B-B14F-4D97-AF65-F5344CB8AC3E}">
-        <p14:creationId xmlns:p14="http://schemas.microsoft.com/office/powerpoint/2010/main" val="2083187444"/>
+        <p14:creationId xmlns:p14="http://schemas.microsoft.com/office/powerpoint/2010/main" val="194519059"/>
       </p:ext>
     </p:extLst>
   </p:cSld>
@@ -1905,7 +1905,7 @@
           <p:cNvPr id="2" name="标题 1">
             <a:extLst>
               <a:ext uri="{FF2B5EF4-FFF2-40B4-BE49-F238E27FC236}">
-                <a16:creationId xmlns:a16="http://schemas.microsoft.com/office/drawing/2014/main" id="{FA7F2C44-2462-5562-DEAD-572205B2FFB7}"/>
+                <a16:creationId xmlns:a16="http://schemas.microsoft.com/office/drawing/2014/main" id="{B1E524E0-F32E-8DEE-F376-009C5279C59D}"/>
               </a:ext>
             </a:extLst>
           </p:cNvPr>
@@ -1933,7 +1933,7 @@
           <p:cNvPr id="3" name="日期占位符 2">
             <a:extLst>
               <a:ext uri="{FF2B5EF4-FFF2-40B4-BE49-F238E27FC236}">
-                <a16:creationId xmlns:a16="http://schemas.microsoft.com/office/drawing/2014/main" id="{7EFFD92B-032C-90CD-3C35-6F7752E1923C}"/>
+                <a16:creationId xmlns:a16="http://schemas.microsoft.com/office/drawing/2014/main" id="{14D0BD6E-657C-F0E8-0DA0-B7DD27E20507}"/>
               </a:ext>
             </a:extLst>
           </p:cNvPr>
@@ -1949,7 +1949,7 @@
           <a:bodyPr/>
           <a:lstStyle/>
           <a:p>
-            <a:fld id="{DE31E791-D4D6-4EC1-ACF4-DC4154CC5D02}" type="datetimeFigureOut">
+            <a:fld id="{45B9F867-E844-4D0F-A873-EB9297B32ED1}" type="datetimeFigureOut">
               <a:rPr lang="zh-CN" altLang="en-US" smtClean="0"/>
               <a:t>2024/3/10</a:t>
             </a:fld>
@@ -1962,7 +1962,7 @@
           <p:cNvPr id="4" name="页脚占位符 3">
             <a:extLst>
               <a:ext uri="{FF2B5EF4-FFF2-40B4-BE49-F238E27FC236}">
-                <a16:creationId xmlns:a16="http://schemas.microsoft.com/office/drawing/2014/main" id="{9A0D25F1-C9B7-27F2-B8D5-FB23CF047D36}"/>
+                <a16:creationId xmlns:a16="http://schemas.microsoft.com/office/drawing/2014/main" id="{230B1CDF-D9F4-84D6-B374-D4AB88BAA6A7}"/>
               </a:ext>
             </a:extLst>
           </p:cNvPr>
@@ -1987,7 +1987,7 @@
           <p:cNvPr id="5" name="灯片编号占位符 4">
             <a:extLst>
               <a:ext uri="{FF2B5EF4-FFF2-40B4-BE49-F238E27FC236}">
-                <a16:creationId xmlns:a16="http://schemas.microsoft.com/office/drawing/2014/main" id="{810FEF0A-7457-61D7-E439-E380A1270772}"/>
+                <a16:creationId xmlns:a16="http://schemas.microsoft.com/office/drawing/2014/main" id="{F4146CB0-4233-D240-18A6-6D8062394FDF}"/>
               </a:ext>
             </a:extLst>
           </p:cNvPr>
@@ -2003,7 +2003,7 @@
           <a:bodyPr/>
           <a:lstStyle/>
           <a:p>
-            <a:fld id="{7E4698AD-9CAE-467A-9479-99817AEBB0BA}" type="slidenum">
+            <a:fld id="{5E789EC6-4E2A-4850-A6D3-3DA1DF7D0BB8}" type="slidenum">
               <a:rPr lang="zh-CN" altLang="en-US" smtClean="0"/>
               <a:t>‹#›</a:t>
             </a:fld>
@@ -2014,7 +2014,7 @@
     </p:spTree>
     <p:extLst>
       <p:ext uri="{BB962C8B-B14F-4D97-AF65-F5344CB8AC3E}">
-        <p14:creationId xmlns:p14="http://schemas.microsoft.com/office/powerpoint/2010/main" val="3370598347"/>
+        <p14:creationId xmlns:p14="http://schemas.microsoft.com/office/powerpoint/2010/main" val="3230560063"/>
       </p:ext>
     </p:extLst>
   </p:cSld>
@@ -2046,7 +2046,7 @@
           <p:cNvPr id="2" name="日期占位符 1">
             <a:extLst>
               <a:ext uri="{FF2B5EF4-FFF2-40B4-BE49-F238E27FC236}">
-                <a16:creationId xmlns:a16="http://schemas.microsoft.com/office/drawing/2014/main" id="{CE88E33B-31D3-23E2-57CA-24F5F9384D45}"/>
+                <a16:creationId xmlns:a16="http://schemas.microsoft.com/office/drawing/2014/main" id="{C4583F80-7D80-016E-292C-FAC17A8E4C70}"/>
               </a:ext>
             </a:extLst>
           </p:cNvPr>
@@ -2062,7 +2062,7 @@
           <a:bodyPr/>
           <a:lstStyle/>
           <a:p>
-            <a:fld id="{DE31E791-D4D6-4EC1-ACF4-DC4154CC5D02}" type="datetimeFigureOut">
+            <a:fld id="{45B9F867-E844-4D0F-A873-EB9297B32ED1}" type="datetimeFigureOut">
               <a:rPr lang="zh-CN" altLang="en-US" smtClean="0"/>
               <a:t>2024/3/10</a:t>
             </a:fld>
@@ -2075,7 +2075,7 @@
           <p:cNvPr id="3" name="页脚占位符 2">
             <a:extLst>
               <a:ext uri="{FF2B5EF4-FFF2-40B4-BE49-F238E27FC236}">
-                <a16:creationId xmlns:a16="http://schemas.microsoft.com/office/drawing/2014/main" id="{10067108-99DB-A0B7-06EB-C044E34E0253}"/>
+                <a16:creationId xmlns:a16="http://schemas.microsoft.com/office/drawing/2014/main" id="{42CA999E-EFC0-984F-DDD3-C00797E06A94}"/>
               </a:ext>
             </a:extLst>
           </p:cNvPr>
@@ -2100,7 +2100,7 @@
           <p:cNvPr id="4" name="灯片编号占位符 3">
             <a:extLst>
               <a:ext uri="{FF2B5EF4-FFF2-40B4-BE49-F238E27FC236}">
-                <a16:creationId xmlns:a16="http://schemas.microsoft.com/office/drawing/2014/main" id="{20E5D30A-B8DB-E6B8-DD22-F9F4E3964109}"/>
+                <a16:creationId xmlns:a16="http://schemas.microsoft.com/office/drawing/2014/main" id="{2FB5036D-8B62-B175-23FB-2C0C584CE80B}"/>
               </a:ext>
             </a:extLst>
           </p:cNvPr>
@@ -2116,7 +2116,7 @@
           <a:bodyPr/>
           <a:lstStyle/>
           <a:p>
-            <a:fld id="{7E4698AD-9CAE-467A-9479-99817AEBB0BA}" type="slidenum">
+            <a:fld id="{5E789EC6-4E2A-4850-A6D3-3DA1DF7D0BB8}" type="slidenum">
               <a:rPr lang="zh-CN" altLang="en-US" smtClean="0"/>
               <a:t>‹#›</a:t>
             </a:fld>
@@ -2127,7 +2127,7 @@
     </p:spTree>
     <p:extLst>
       <p:ext uri="{BB962C8B-B14F-4D97-AF65-F5344CB8AC3E}">
-        <p14:creationId xmlns:p14="http://schemas.microsoft.com/office/powerpoint/2010/main" val="4187796612"/>
+        <p14:creationId xmlns:p14="http://schemas.microsoft.com/office/powerpoint/2010/main" val="3187331415"/>
       </p:ext>
     </p:extLst>
   </p:cSld>
@@ -2159,7 +2159,7 @@
           <p:cNvPr id="2" name="标题 1">
             <a:extLst>
               <a:ext uri="{FF2B5EF4-FFF2-40B4-BE49-F238E27FC236}">
-                <a16:creationId xmlns:a16="http://schemas.microsoft.com/office/drawing/2014/main" id="{552A5A93-5F99-7BC2-C3CC-56B9C0166AE6}"/>
+                <a16:creationId xmlns:a16="http://schemas.microsoft.com/office/drawing/2014/main" id="{2183C8FA-4ED6-9BB2-567F-4E2F6951091F}"/>
               </a:ext>
             </a:extLst>
           </p:cNvPr>
@@ -2196,7 +2196,7 @@
           <p:cNvPr id="3" name="内容占位符 2">
             <a:extLst>
               <a:ext uri="{FF2B5EF4-FFF2-40B4-BE49-F238E27FC236}">
-                <a16:creationId xmlns:a16="http://schemas.microsoft.com/office/drawing/2014/main" id="{9A7301F2-899F-D32E-9950-33A7B4D3E09C}"/>
+                <a16:creationId xmlns:a16="http://schemas.microsoft.com/office/drawing/2014/main" id="{87DCD966-DE94-E951-803D-F0AAE402DFAA}"/>
               </a:ext>
             </a:extLst>
           </p:cNvPr>
@@ -2286,7 +2286,7 @@
           <p:cNvPr id="4" name="文本占位符 3">
             <a:extLst>
               <a:ext uri="{FF2B5EF4-FFF2-40B4-BE49-F238E27FC236}">
-                <a16:creationId xmlns:a16="http://schemas.microsoft.com/office/drawing/2014/main" id="{720E6605-FC43-996B-2A0D-CD289B4122ED}"/>
+                <a16:creationId xmlns:a16="http://schemas.microsoft.com/office/drawing/2014/main" id="{6C4E5B4D-4291-1D50-4AAA-1EBCD0D46D2C}"/>
               </a:ext>
             </a:extLst>
           </p:cNvPr>
@@ -2357,7 +2357,7 @@
           <p:cNvPr id="5" name="日期占位符 4">
             <a:extLst>
               <a:ext uri="{FF2B5EF4-FFF2-40B4-BE49-F238E27FC236}">
-                <a16:creationId xmlns:a16="http://schemas.microsoft.com/office/drawing/2014/main" id="{050C5E3C-F17F-6537-C598-8BE2B16F8EC3}"/>
+                <a16:creationId xmlns:a16="http://schemas.microsoft.com/office/drawing/2014/main" id="{B92A0E55-506C-C005-05B1-2718E371F57F}"/>
               </a:ext>
             </a:extLst>
           </p:cNvPr>
@@ -2373,7 +2373,7 @@
           <a:bodyPr/>
           <a:lstStyle/>
           <a:p>
-            <a:fld id="{DE31E791-D4D6-4EC1-ACF4-DC4154CC5D02}" type="datetimeFigureOut">
+            <a:fld id="{45B9F867-E844-4D0F-A873-EB9297B32ED1}" type="datetimeFigureOut">
               <a:rPr lang="zh-CN" altLang="en-US" smtClean="0"/>
               <a:t>2024/3/10</a:t>
             </a:fld>
@@ -2386,7 +2386,7 @@
           <p:cNvPr id="6" name="页脚占位符 5">
             <a:extLst>
               <a:ext uri="{FF2B5EF4-FFF2-40B4-BE49-F238E27FC236}">
-                <a16:creationId xmlns:a16="http://schemas.microsoft.com/office/drawing/2014/main" id="{109744BA-2785-0A4B-3BD4-22DF729DD84C}"/>
+                <a16:creationId xmlns:a16="http://schemas.microsoft.com/office/drawing/2014/main" id="{C2EC99C8-E93A-F20D-C7F4-0FC719D5B60A}"/>
               </a:ext>
             </a:extLst>
           </p:cNvPr>
@@ -2411,7 +2411,7 @@
           <p:cNvPr id="7" name="灯片编号占位符 6">
             <a:extLst>
               <a:ext uri="{FF2B5EF4-FFF2-40B4-BE49-F238E27FC236}">
-                <a16:creationId xmlns:a16="http://schemas.microsoft.com/office/drawing/2014/main" id="{E0F9119E-8DBA-E7FB-06D5-78A20EE826D0}"/>
+                <a16:creationId xmlns:a16="http://schemas.microsoft.com/office/drawing/2014/main" id="{36A08E34-660C-29B9-064C-9B822B90D0D9}"/>
               </a:ext>
             </a:extLst>
           </p:cNvPr>
@@ -2427,7 +2427,7 @@
           <a:bodyPr/>
           <a:lstStyle/>
           <a:p>
-            <a:fld id="{7E4698AD-9CAE-467A-9479-99817AEBB0BA}" type="slidenum">
+            <a:fld id="{5E789EC6-4E2A-4850-A6D3-3DA1DF7D0BB8}" type="slidenum">
               <a:rPr lang="zh-CN" altLang="en-US" smtClean="0"/>
               <a:t>‹#›</a:t>
             </a:fld>
@@ -2438,7 +2438,7 @@
     </p:spTree>
     <p:extLst>
       <p:ext uri="{BB962C8B-B14F-4D97-AF65-F5344CB8AC3E}">
-        <p14:creationId xmlns:p14="http://schemas.microsoft.com/office/powerpoint/2010/main" val="1897397825"/>
+        <p14:creationId xmlns:p14="http://schemas.microsoft.com/office/powerpoint/2010/main" val="3705367652"/>
       </p:ext>
     </p:extLst>
   </p:cSld>
@@ -2470,7 +2470,7 @@
           <p:cNvPr id="2" name="标题 1">
             <a:extLst>
               <a:ext uri="{FF2B5EF4-FFF2-40B4-BE49-F238E27FC236}">
-                <a16:creationId xmlns:a16="http://schemas.microsoft.com/office/drawing/2014/main" id="{FC18600B-C90E-69E0-EAF0-BF7249972922}"/>
+                <a16:creationId xmlns:a16="http://schemas.microsoft.com/office/drawing/2014/main" id="{AC9FC843-A197-1177-D9CE-B24EA268DABA}"/>
               </a:ext>
             </a:extLst>
           </p:cNvPr>
@@ -2507,7 +2507,7 @@
           <p:cNvPr id="3" name="图片占位符 2">
             <a:extLst>
               <a:ext uri="{FF2B5EF4-FFF2-40B4-BE49-F238E27FC236}">
-                <a16:creationId xmlns:a16="http://schemas.microsoft.com/office/drawing/2014/main" id="{F97AA216-F371-A0EA-9E38-BCA41707C233}"/>
+                <a16:creationId xmlns:a16="http://schemas.microsoft.com/office/drawing/2014/main" id="{1E0B184F-C884-FFEE-59FD-904F900BDE9C}"/>
               </a:ext>
             </a:extLst>
           </p:cNvPr>
@@ -2574,7 +2574,7 @@
           <p:cNvPr id="4" name="文本占位符 3">
             <a:extLst>
               <a:ext uri="{FF2B5EF4-FFF2-40B4-BE49-F238E27FC236}">
-                <a16:creationId xmlns:a16="http://schemas.microsoft.com/office/drawing/2014/main" id="{2ADC1DC2-DB96-4B9B-4B66-D382CC7362B7}"/>
+                <a16:creationId xmlns:a16="http://schemas.microsoft.com/office/drawing/2014/main" id="{8C5CDAAF-42FC-FCF0-FFCE-4AC1221CC8F1}"/>
               </a:ext>
             </a:extLst>
           </p:cNvPr>
@@ -2645,7 +2645,7 @@
           <p:cNvPr id="5" name="日期占位符 4">
             <a:extLst>
               <a:ext uri="{FF2B5EF4-FFF2-40B4-BE49-F238E27FC236}">
-                <a16:creationId xmlns:a16="http://schemas.microsoft.com/office/drawing/2014/main" id="{34C82632-DEB3-BA1C-9F2B-65CC81F3BF6E}"/>
+                <a16:creationId xmlns:a16="http://schemas.microsoft.com/office/drawing/2014/main" id="{5B4ADDA2-B8F4-C1B9-F019-C828027A8EB5}"/>
               </a:ext>
             </a:extLst>
           </p:cNvPr>
@@ -2661,7 +2661,7 @@
           <a:bodyPr/>
           <a:lstStyle/>
           <a:p>
-            <a:fld id="{DE31E791-D4D6-4EC1-ACF4-DC4154CC5D02}" type="datetimeFigureOut">
+            <a:fld id="{45B9F867-E844-4D0F-A873-EB9297B32ED1}" type="datetimeFigureOut">
               <a:rPr lang="zh-CN" altLang="en-US" smtClean="0"/>
               <a:t>2024/3/10</a:t>
             </a:fld>
@@ -2674,7 +2674,7 @@
           <p:cNvPr id="6" name="页脚占位符 5">
             <a:extLst>
               <a:ext uri="{FF2B5EF4-FFF2-40B4-BE49-F238E27FC236}">
-                <a16:creationId xmlns:a16="http://schemas.microsoft.com/office/drawing/2014/main" id="{9D81BD03-523E-A9A9-1D0E-7829B1384E7F}"/>
+                <a16:creationId xmlns:a16="http://schemas.microsoft.com/office/drawing/2014/main" id="{42210BAB-8897-1AF4-ADFC-FF824DE67915}"/>
               </a:ext>
             </a:extLst>
           </p:cNvPr>
@@ -2699,7 +2699,7 @@
           <p:cNvPr id="7" name="灯片编号占位符 6">
             <a:extLst>
               <a:ext uri="{FF2B5EF4-FFF2-40B4-BE49-F238E27FC236}">
-                <a16:creationId xmlns:a16="http://schemas.microsoft.com/office/drawing/2014/main" id="{B01AB4FE-6869-C8DE-AFBA-D50CA525E4BE}"/>
+                <a16:creationId xmlns:a16="http://schemas.microsoft.com/office/drawing/2014/main" id="{6BFB18CE-2319-6CF2-C3EC-C343C178EDFF}"/>
               </a:ext>
             </a:extLst>
           </p:cNvPr>
@@ -2715,7 +2715,7 @@
           <a:bodyPr/>
           <a:lstStyle/>
           <a:p>
-            <a:fld id="{7E4698AD-9CAE-467A-9479-99817AEBB0BA}" type="slidenum">
+            <a:fld id="{5E789EC6-4E2A-4850-A6D3-3DA1DF7D0BB8}" type="slidenum">
               <a:rPr lang="zh-CN" altLang="en-US" smtClean="0"/>
               <a:t>‹#›</a:t>
             </a:fld>
@@ -2726,7 +2726,7 @@
     </p:spTree>
     <p:extLst>
       <p:ext uri="{BB962C8B-B14F-4D97-AF65-F5344CB8AC3E}">
-        <p14:creationId xmlns:p14="http://schemas.microsoft.com/office/powerpoint/2010/main" val="151945446"/>
+        <p14:creationId xmlns:p14="http://schemas.microsoft.com/office/powerpoint/2010/main" val="3888577461"/>
       </p:ext>
     </p:extLst>
   </p:cSld>
@@ -2763,7 +2763,7 @@
           <p:cNvPr id="2" name="标题占位符 1">
             <a:extLst>
               <a:ext uri="{FF2B5EF4-FFF2-40B4-BE49-F238E27FC236}">
-                <a16:creationId xmlns:a16="http://schemas.microsoft.com/office/drawing/2014/main" id="{E0F95609-508D-E1EF-367F-4F066FFAEA3B}"/>
+                <a16:creationId xmlns:a16="http://schemas.microsoft.com/office/drawing/2014/main" id="{C34D56D1-8C2F-6CBB-C292-88FDCD7187BA}"/>
               </a:ext>
             </a:extLst>
           </p:cNvPr>
@@ -2801,7 +2801,7 @@
           <p:cNvPr id="3" name="文本占位符 2">
             <a:extLst>
               <a:ext uri="{FF2B5EF4-FFF2-40B4-BE49-F238E27FC236}">
-                <a16:creationId xmlns:a16="http://schemas.microsoft.com/office/drawing/2014/main" id="{749FF906-5F36-34FB-9995-9BD7F36810D1}"/>
+                <a16:creationId xmlns:a16="http://schemas.microsoft.com/office/drawing/2014/main" id="{20B9578A-2819-41BB-35EF-A122FB529ECA}"/>
               </a:ext>
             </a:extLst>
           </p:cNvPr>
@@ -2868,7 +2868,7 @@
           <p:cNvPr id="4" name="日期占位符 3">
             <a:extLst>
               <a:ext uri="{FF2B5EF4-FFF2-40B4-BE49-F238E27FC236}">
-                <a16:creationId xmlns:a16="http://schemas.microsoft.com/office/drawing/2014/main" id="{A017A19B-82A0-A449-7F8F-8754C1977CB5}"/>
+                <a16:creationId xmlns:a16="http://schemas.microsoft.com/office/drawing/2014/main" id="{C0BF210A-AE58-8091-4CB9-13AF25B2C2EA}"/>
               </a:ext>
             </a:extLst>
           </p:cNvPr>
@@ -2902,7 +2902,7 @@
             </a:lvl1pPr>
           </a:lstStyle>
           <a:p>
-            <a:fld id="{DE31E791-D4D6-4EC1-ACF4-DC4154CC5D02}" type="datetimeFigureOut">
+            <a:fld id="{45B9F867-E844-4D0F-A873-EB9297B32ED1}" type="datetimeFigureOut">
               <a:rPr lang="zh-CN" altLang="en-US" smtClean="0"/>
               <a:t>2024/3/10</a:t>
             </a:fld>
@@ -2915,7 +2915,7 @@
           <p:cNvPr id="5" name="页脚占位符 4">
             <a:extLst>
               <a:ext uri="{FF2B5EF4-FFF2-40B4-BE49-F238E27FC236}">
-                <a16:creationId xmlns:a16="http://schemas.microsoft.com/office/drawing/2014/main" id="{FE180E69-3115-F3BA-D2C5-4F2CD75A4F61}"/>
+                <a16:creationId xmlns:a16="http://schemas.microsoft.com/office/drawing/2014/main" id="{F99A7518-C9C3-5DF6-005B-1E8B2BEE23DD}"/>
               </a:ext>
             </a:extLst>
           </p:cNvPr>
@@ -2958,7 +2958,7 @@
           <p:cNvPr id="6" name="灯片编号占位符 5">
             <a:extLst>
               <a:ext uri="{FF2B5EF4-FFF2-40B4-BE49-F238E27FC236}">
-                <a16:creationId xmlns:a16="http://schemas.microsoft.com/office/drawing/2014/main" id="{9B7541BC-617C-5453-CE67-6D24C4DB8F37}"/>
+                <a16:creationId xmlns:a16="http://schemas.microsoft.com/office/drawing/2014/main" id="{47CD7C3F-1040-0EA0-4B8F-742BCCFF9866}"/>
               </a:ext>
             </a:extLst>
           </p:cNvPr>
@@ -2992,7 +2992,7 @@
             </a:lvl1pPr>
           </a:lstStyle>
           <a:p>
-            <a:fld id="{7E4698AD-9CAE-467A-9479-99817AEBB0BA}" type="slidenum">
+            <a:fld id="{5E789EC6-4E2A-4850-A6D3-3DA1DF7D0BB8}" type="slidenum">
               <a:rPr lang="zh-CN" altLang="en-US" smtClean="0"/>
               <a:t>‹#›</a:t>
             </a:fld>
@@ -3003,7 +3003,7 @@
     </p:spTree>
     <p:extLst>
       <p:ext uri="{BB962C8B-B14F-4D97-AF65-F5344CB8AC3E}">
-        <p14:creationId xmlns:p14="http://schemas.microsoft.com/office/powerpoint/2010/main" val="1392148372"/>
+        <p14:creationId xmlns:p14="http://schemas.microsoft.com/office/powerpoint/2010/main" val="281431540"/>
       </p:ext>
     </p:extLst>
   </p:cSld>
